--- a/research/k8s_prometheus.pptx
+++ b/research/k8s_prometheus.pptx
@@ -5,10 +5,10 @@
     <p:sldMasterId id="2147483648" r:id="rId1"/>
   </p:sldMasterIdLst>
   <p:notesMasterIdLst>
-    <p:notesMasterId r:id="rId10"/>
+    <p:notesMasterId r:id="rId15"/>
   </p:notesMasterIdLst>
   <p:handoutMasterIdLst>
-    <p:handoutMasterId r:id="rId11"/>
+    <p:handoutMasterId r:id="rId16"/>
   </p:handoutMasterIdLst>
   <p:sldIdLst>
     <p:sldId id="256" r:id="rId3"/>
@@ -18,6 +18,11 @@
     <p:sldId id="260" r:id="rId7"/>
     <p:sldId id="261" r:id="rId8"/>
     <p:sldId id="262" r:id="rId9"/>
+    <p:sldId id="263" r:id="rId10"/>
+    <p:sldId id="265" r:id="rId11"/>
+    <p:sldId id="266" r:id="rId12"/>
+    <p:sldId id="267" r:id="rId13"/>
+    <p:sldId id="268" r:id="rId14"/>
   </p:sldIdLst>
   <p:sldSz cx="12192000" cy="6858000"/>
   <p:notesSz cx="7103745" cy="10234295"/>
@@ -3776,6 +3781,492 @@
 </p:sld>
 </file>
 
+<file path=ppt/slides/slide10.xml><?xml version="1.0" encoding="utf-8"?>
+<p:sld xmlns:a="http://schemas.openxmlformats.org/drawingml/2006/main" xmlns:r="http://schemas.openxmlformats.org/officeDocument/2006/relationships" xmlns:p="http://schemas.openxmlformats.org/presentationml/2006/main">
+  <p:cSld>
+    <p:spTree>
+      <p:nvGrpSpPr>
+        <p:cNvPr id="1" name=""/>
+        <p:cNvGrpSpPr/>
+        <p:nvPr/>
+      </p:nvGrpSpPr>
+      <p:grpSpPr/>
+      <p:sp>
+        <p:nvSpPr>
+          <p:cNvPr id="2" name="标题 1"/>
+          <p:cNvSpPr>
+            <a:spLocks noGrp="1"/>
+          </p:cNvSpPr>
+          <p:nvPr>
+            <p:ph type="title"/>
+          </p:nvPr>
+        </p:nvSpPr>
+        <p:spPr/>
+        <p:txBody>
+          <a:bodyPr/>
+          <a:p>
+            <a:r>
+              <a:rPr lang="en-US" altLang="zh-CN"/>
+              <a:t>PromQL-</a:t>
+            </a:r>
+            <a:r>
+              <a:rPr lang="en-US" altLang="en-US"/>
+              <a:t>算术二元运算符</a:t>
+            </a:r>
+            <a:endParaRPr lang="en-US" altLang="en-US"/>
+          </a:p>
+        </p:txBody>
+      </p:sp>
+      <p:sp>
+        <p:nvSpPr>
+          <p:cNvPr id="3" name="内容占位符 2"/>
+          <p:cNvSpPr>
+            <a:spLocks noGrp="1"/>
+          </p:cNvSpPr>
+          <p:nvPr>
+            <p:ph idx="1"/>
+          </p:nvPr>
+        </p:nvSpPr>
+        <p:spPr/>
+        <p:txBody>
+          <a:bodyPr>
+            <a:normAutofit lnSpcReduction="20000"/>
+          </a:bodyPr>
+          <a:p>
+            <a:r>
+              <a:rPr lang="zh-CN" altLang="en-US"/>
+              <a:t>在 Prometheus 系统中支持下面的二元算术运算符：</a:t>
+            </a:r>
+            <a:endParaRPr lang="zh-CN" altLang="en-US"/>
+          </a:p>
+          <a:p>
+            <a:pPr>
+              <a:buFont typeface="Wingdings" charset="0"/>
+              <a:buChar char=""/>
+            </a:pPr>
+            <a:r>
+              <a:rPr lang="zh-CN" altLang="en-US"/>
+              <a:t>+ 加法</a:t>
+            </a:r>
+            <a:endParaRPr lang="zh-CN" altLang="en-US"/>
+          </a:p>
+          <a:p>
+            <a:pPr>
+              <a:buFont typeface="Wingdings" charset="0"/>
+              <a:buChar char=""/>
+            </a:pPr>
+            <a:r>
+              <a:rPr lang="zh-CN" altLang="en-US"/>
+              <a:t>- 减法</a:t>
+            </a:r>
+            <a:endParaRPr lang="zh-CN" altLang="en-US"/>
+          </a:p>
+          <a:p>
+            <a:pPr>
+              <a:buFont typeface="Wingdings" charset="0"/>
+              <a:buChar char=""/>
+            </a:pPr>
+            <a:r>
+              <a:rPr lang="zh-CN" altLang="en-US"/>
+              <a:t>* 乘法</a:t>
+            </a:r>
+            <a:endParaRPr lang="zh-CN" altLang="en-US"/>
+          </a:p>
+          <a:p>
+            <a:pPr>
+              <a:buFont typeface="Wingdings" charset="0"/>
+              <a:buChar char=""/>
+            </a:pPr>
+            <a:r>
+              <a:rPr lang="zh-CN" altLang="en-US"/>
+              <a:t>/ 除法</a:t>
+            </a:r>
+            <a:endParaRPr lang="zh-CN" altLang="en-US"/>
+          </a:p>
+          <a:p>
+            <a:pPr>
+              <a:buFont typeface="Wingdings" charset="0"/>
+              <a:buChar char=""/>
+            </a:pPr>
+            <a:r>
+              <a:rPr lang="zh-CN" altLang="en-US"/>
+              <a:t>% 模</a:t>
+            </a:r>
+            <a:endParaRPr lang="zh-CN" altLang="en-US"/>
+          </a:p>
+          <a:p>
+            <a:pPr>
+              <a:buFont typeface="Wingdings" charset="0"/>
+              <a:buChar char=""/>
+            </a:pPr>
+            <a:r>
+              <a:rPr lang="zh-CN" altLang="en-US"/>
+              <a:t>^ 幂等</a:t>
+            </a:r>
+            <a:endParaRPr lang="zh-CN" altLang="en-US"/>
+          </a:p>
+          <a:p>
+            <a:r>
+              <a:rPr lang="zh-CN" altLang="en-US"/>
+              <a:t>二元运算操作符支持 scalar/scalar(标量/标量)、vector/scalar(向量/标量)、和 vector/vector(向量/向量) 之间的操作。</a:t>
+            </a:r>
+            <a:endParaRPr lang="zh-CN" altLang="en-US"/>
+          </a:p>
+        </p:txBody>
+      </p:sp>
+    </p:spTree>
+  </p:cSld>
+  <p:clrMapOvr>
+    <a:masterClrMapping/>
+  </p:clrMapOvr>
+</p:sld>
+</file>
+
+<file path=ppt/slides/slide11.xml><?xml version="1.0" encoding="utf-8"?>
+<p:sld xmlns:a="http://schemas.openxmlformats.org/drawingml/2006/main" xmlns:r="http://schemas.openxmlformats.org/officeDocument/2006/relationships" xmlns:p="http://schemas.openxmlformats.org/presentationml/2006/main">
+  <p:cSld>
+    <p:spTree>
+      <p:nvGrpSpPr>
+        <p:cNvPr id="1" name=""/>
+        <p:cNvGrpSpPr/>
+        <p:nvPr/>
+      </p:nvGrpSpPr>
+      <p:grpSpPr/>
+      <p:sp>
+        <p:nvSpPr>
+          <p:cNvPr id="2" name="标题 1"/>
+          <p:cNvSpPr>
+            <a:spLocks noGrp="1"/>
+          </p:cNvSpPr>
+          <p:nvPr>
+            <p:ph type="title"/>
+          </p:nvPr>
+        </p:nvSpPr>
+        <p:spPr/>
+        <p:txBody>
+          <a:bodyPr/>
+          <a:p>
+            <a:r>
+              <a:rPr lang="en-US" altLang="zh-CN"/>
+              <a:t>PromQL-</a:t>
+            </a:r>
+            <a:r>
+              <a:rPr lang="en-US" altLang="en-US"/>
+              <a:t>布尔运算符</a:t>
+            </a:r>
+            <a:endParaRPr lang="en-US" altLang="en-US"/>
+          </a:p>
+        </p:txBody>
+      </p:sp>
+      <p:sp>
+        <p:nvSpPr>
+          <p:cNvPr id="3" name="内容占位符 2"/>
+          <p:cNvSpPr>
+            <a:spLocks noGrp="1"/>
+          </p:cNvSpPr>
+          <p:nvPr>
+            <p:ph idx="1"/>
+          </p:nvPr>
+        </p:nvSpPr>
+        <p:spPr/>
+        <p:txBody>
+          <a:bodyPr>
+            <a:normAutofit fontScale="50000"/>
+          </a:bodyPr>
+          <a:p>
+            <a:r>
+              <a:rPr lang="zh-CN" altLang="en-US"/>
+              <a:t>Prometheus 支持以下布尔运算符：</a:t>
+            </a:r>
+            <a:endParaRPr lang="zh-CN" altLang="en-US"/>
+          </a:p>
+          <a:p>
+            <a:pPr>
+              <a:buFont typeface="Wingdings" charset="0"/>
+              <a:buChar char=""/>
+            </a:pPr>
+            <a:r>
+              <a:rPr lang="zh-CN" altLang="en-US"/>
+              <a:t>== (相等)</a:t>
+            </a:r>
+            <a:endParaRPr lang="zh-CN" altLang="en-US"/>
+          </a:p>
+          <a:p>
+            <a:pPr>
+              <a:buFont typeface="Wingdings" charset="0"/>
+              <a:buChar char=""/>
+            </a:pPr>
+            <a:r>
+              <a:rPr lang="zh-CN" altLang="en-US"/>
+              <a:t>!= (不相等)</a:t>
+            </a:r>
+            <a:endParaRPr lang="zh-CN" altLang="en-US"/>
+          </a:p>
+          <a:p>
+            <a:pPr>
+              <a:buFont typeface="Wingdings" charset="0"/>
+              <a:buChar char=""/>
+            </a:pPr>
+            <a:r>
+              <a:rPr lang="zh-CN" altLang="en-US"/>
+              <a:t>&gt; (大于)</a:t>
+            </a:r>
+            <a:endParaRPr lang="zh-CN" altLang="en-US"/>
+          </a:p>
+          <a:p>
+            <a:pPr>
+              <a:buFont typeface="Wingdings" charset="0"/>
+              <a:buChar char=""/>
+            </a:pPr>
+            <a:r>
+              <a:rPr lang="zh-CN" altLang="en-US"/>
+              <a:t>&lt; (小于)</a:t>
+            </a:r>
+            <a:endParaRPr lang="zh-CN" altLang="en-US"/>
+          </a:p>
+          <a:p>
+            <a:pPr>
+              <a:buFont typeface="Wingdings" charset="0"/>
+              <a:buChar char=""/>
+            </a:pPr>
+            <a:r>
+              <a:rPr lang="zh-CN" altLang="en-US"/>
+              <a:t>&gt;= (大于等于)</a:t>
+            </a:r>
+            <a:endParaRPr lang="zh-CN" altLang="en-US"/>
+          </a:p>
+          <a:p>
+            <a:pPr>
+              <a:buFont typeface="Wingdings" charset="0"/>
+              <a:buChar char=""/>
+            </a:pPr>
+            <a:r>
+              <a:rPr lang="zh-CN" altLang="en-US"/>
+              <a:t>&lt;= (小于等于)</a:t>
+            </a:r>
+            <a:endParaRPr lang="zh-CN" altLang="en-US"/>
+          </a:p>
+          <a:p>
+            <a:r>
+              <a:rPr lang="zh-CN" altLang="en-US"/>
+              <a:t>布尔运算符被应用于 scalar/scalar（标量/标量）、vector/scalar（向量/标量），和vector/vector（向量/向量）。</a:t>
+            </a:r>
+            <a:endParaRPr lang="zh-CN" altLang="en-US"/>
+          </a:p>
+          <a:p>
+            <a:endParaRPr lang="zh-CN" altLang="en-US"/>
+          </a:p>
+          <a:p>
+            <a:r>
+              <a:rPr lang="zh-CN" altLang="en-US"/>
+              <a:t>在两个标量之间进行布尔运算，必须提供 bool 修饰符，得到的结果也是标量，即 0（false）或 1（true）。例如：</a:t>
+            </a:r>
+            <a:endParaRPr lang="zh-CN" altLang="en-US"/>
+          </a:p>
+          <a:p>
+            <a:pPr marL="0" indent="0">
+              <a:buNone/>
+            </a:pPr>
+            <a:r>
+              <a:rPr lang="zh-CN" altLang="en-US"/>
+              <a:t>2 &gt; bool 1 # 结果为 1</a:t>
+            </a:r>
+            <a:endParaRPr lang="zh-CN" altLang="en-US"/>
+          </a:p>
+          <a:p>
+            <a:pPr marL="0" indent="0">
+              <a:buNone/>
+            </a:pPr>
+            <a:endParaRPr lang="zh-CN" altLang="en-US"/>
+          </a:p>
+          <a:p>
+            <a:r>
+              <a:rPr lang="zh-CN" altLang="en-US"/>
+              <a:t>瞬时向量和标量之间的布尔运算，这个运算符会应用到某个当前时刻的每个时序数据上，如果一个时序数据的样本值与这个标量比较的结果是 false，则这个时序数据被丢弃掉，如果是 true, 则这个时序数据被保留在结果中。如果提供了 bool 修饰符，那么比较结果是 0 的时序数据被丢弃掉，而比较结果是 1 的时序数据被保留。例如：</a:t>
+            </a:r>
+            <a:endParaRPr lang="zh-CN" altLang="en-US"/>
+          </a:p>
+          <a:p>
+            <a:pPr marL="0" indent="0">
+              <a:buNone/>
+            </a:pPr>
+            <a:r>
+              <a:rPr lang="zh-CN" altLang="en-US"/>
+              <a:t>http_requests_total &gt; 100 # 结果为 true 或 false</a:t>
+            </a:r>
+            <a:endParaRPr lang="zh-CN" altLang="en-US"/>
+          </a:p>
+          <a:p>
+            <a:pPr marL="0" indent="0">
+              <a:buNone/>
+            </a:pPr>
+            <a:r>
+              <a:rPr lang="zh-CN" altLang="en-US"/>
+              <a:t>http_requests_total &gt; bool 100 # 结果为 1 或 0</a:t>
+            </a:r>
+            <a:endParaRPr lang="zh-CN" altLang="en-US"/>
+          </a:p>
+        </p:txBody>
+      </p:sp>
+    </p:spTree>
+  </p:cSld>
+  <p:clrMapOvr>
+    <a:masterClrMapping/>
+  </p:clrMapOvr>
+</p:sld>
+</file>
+
+<file path=ppt/slides/slide12.xml><?xml version="1.0" encoding="utf-8"?>
+<p:sld xmlns:a="http://schemas.openxmlformats.org/drawingml/2006/main" xmlns:r="http://schemas.openxmlformats.org/officeDocument/2006/relationships" xmlns:p="http://schemas.openxmlformats.org/presentationml/2006/main">
+  <p:cSld>
+    <p:spTree>
+      <p:nvGrpSpPr>
+        <p:cNvPr id="1" name=""/>
+        <p:cNvGrpSpPr/>
+        <p:nvPr/>
+      </p:nvGrpSpPr>
+      <p:grpSpPr/>
+      <p:sp>
+        <p:nvSpPr>
+          <p:cNvPr id="2" name="标题 1"/>
+          <p:cNvSpPr>
+            <a:spLocks noGrp="1"/>
+          </p:cNvSpPr>
+          <p:nvPr>
+            <p:ph type="title"/>
+          </p:nvPr>
+        </p:nvSpPr>
+        <p:spPr/>
+        <p:txBody>
+          <a:bodyPr/>
+          <a:p>
+            <a:r>
+              <a:rPr lang="en-US" altLang="zh-CN"/>
+              <a:t>PromQL-</a:t>
+            </a:r>
+            <a:r>
+              <a:rPr lang="en-US" altLang="en-US"/>
+              <a:t>集合运算符</a:t>
+            </a:r>
+            <a:endParaRPr lang="en-US" altLang="en-US"/>
+          </a:p>
+        </p:txBody>
+      </p:sp>
+      <p:sp>
+        <p:nvSpPr>
+          <p:cNvPr id="3" name="内容占位符 2"/>
+          <p:cNvSpPr>
+            <a:spLocks noGrp="1"/>
+          </p:cNvSpPr>
+          <p:nvPr>
+            <p:ph idx="1"/>
+          </p:nvPr>
+        </p:nvSpPr>
+        <p:spPr/>
+        <p:txBody>
+          <a:bodyPr>
+            <a:normAutofit fontScale="70000"/>
+          </a:bodyPr>
+          <a:p>
+            <a:pPr fontAlgn="auto">
+              <a:lnSpc>
+                <a:spcPct val="150000"/>
+              </a:lnSpc>
+            </a:pPr>
+            <a:r>
+              <a:rPr lang="zh-CN" altLang="en-US"/>
+              <a:t>使用瞬时向量表达式能够获取到一个包含多个时间序列的集合，我们称为瞬时向量。 通过集合运算，可以在两个瞬时向量与瞬时向量之间进行相应的集合操作。目前，Prometheus 支持以下集合运算符：</a:t>
+            </a:r>
+            <a:endParaRPr lang="zh-CN" altLang="en-US"/>
+          </a:p>
+          <a:p>
+            <a:pPr fontAlgn="auto">
+              <a:lnSpc>
+                <a:spcPct val="150000"/>
+              </a:lnSpc>
+              <a:buFont typeface="Wingdings" charset="0"/>
+              <a:buChar char=""/>
+            </a:pPr>
+            <a:r>
+              <a:rPr lang="zh-CN" altLang="en-US"/>
+              <a:t>and (并且)</a:t>
+            </a:r>
+            <a:endParaRPr lang="zh-CN" altLang="en-US"/>
+          </a:p>
+          <a:p>
+            <a:pPr fontAlgn="auto">
+              <a:lnSpc>
+                <a:spcPct val="150000"/>
+              </a:lnSpc>
+              <a:buFont typeface="Wingdings" charset="0"/>
+              <a:buChar char=""/>
+            </a:pPr>
+            <a:r>
+              <a:rPr lang="zh-CN" altLang="en-US"/>
+              <a:t>or (或者)</a:t>
+            </a:r>
+            <a:endParaRPr lang="zh-CN" altLang="en-US"/>
+          </a:p>
+          <a:p>
+            <a:pPr fontAlgn="auto">
+              <a:lnSpc>
+                <a:spcPct val="150000"/>
+              </a:lnSpc>
+              <a:buFont typeface="Wingdings" charset="0"/>
+              <a:buChar char=""/>
+            </a:pPr>
+            <a:r>
+              <a:rPr lang="zh-CN" altLang="en-US"/>
+              <a:t>unless (排除)</a:t>
+            </a:r>
+            <a:endParaRPr lang="zh-CN" altLang="en-US"/>
+          </a:p>
+          <a:p>
+            <a:pPr fontAlgn="auto">
+              <a:lnSpc>
+                <a:spcPct val="150000"/>
+              </a:lnSpc>
+            </a:pPr>
+            <a:r>
+              <a:rPr lang="zh-CN" altLang="en-US"/>
+              <a:t>vector1 and vector2 会产生一个由 vector1 的元素组成的新的向量。该向量包含 vector1 中完全匹配 vector2 中的元素组成。</a:t>
+            </a:r>
+            <a:endParaRPr lang="zh-CN" altLang="en-US"/>
+          </a:p>
+          <a:p>
+            <a:pPr fontAlgn="auto">
+              <a:lnSpc>
+                <a:spcPct val="150000"/>
+              </a:lnSpc>
+            </a:pPr>
+            <a:r>
+              <a:rPr lang="zh-CN" altLang="en-US"/>
+              <a:t>vector1 or vector2 会产生一个新的向量，该向量包含 vector1 中所有的样本数据，以及 vector2 中没有与 vector1 匹配到的样本数据。</a:t>
+            </a:r>
+            <a:endParaRPr lang="zh-CN" altLang="en-US"/>
+          </a:p>
+          <a:p>
+            <a:pPr fontAlgn="auto">
+              <a:lnSpc>
+                <a:spcPct val="150000"/>
+              </a:lnSpc>
+            </a:pPr>
+            <a:r>
+              <a:rPr lang="zh-CN" altLang="en-US"/>
+              <a:t>vector1 unless vector2 会产生一个新的向量，新向量中的元素由 vector1 中没有与 vector2 匹配的元素组成。</a:t>
+            </a:r>
+            <a:endParaRPr lang="zh-CN" altLang="en-US"/>
+          </a:p>
+        </p:txBody>
+      </p:sp>
+    </p:spTree>
+  </p:cSld>
+  <p:clrMapOvr>
+    <a:masterClrMapping/>
+  </p:clrMapOvr>
+</p:sld>
+</file>
+
 <file path=ppt/slides/slide2.xml><?xml version="1.0" encoding="utf-8"?>
 <p:sld xmlns:a="http://schemas.openxmlformats.org/drawingml/2006/main" xmlns:r="http://schemas.openxmlformats.org/officeDocument/2006/relationships" xmlns:p="http://schemas.openxmlformats.org/presentationml/2006/main">
   <p:cSld>
@@ -4612,12 +5103,12 @@
               <a:buChar char=""/>
             </a:pPr>
             <a:r>
-              <a:rPr lang="" altLang="en-US">
+              <a:rPr lang="en-US" altLang="en-US">
                 <a:sym typeface="+mn-ea"/>
               </a:rPr>
               <a:t>随着pod数量增加，配置量也会增加，会造成拍错成本上升</a:t>
             </a:r>
-            <a:endParaRPr lang="" altLang="en-US">
+            <a:endParaRPr lang="en-US" altLang="en-US">
               <a:sym typeface="+mn-ea"/>
             </a:endParaRPr>
           </a:p>
@@ -4746,6 +5237,328 @@
           </a:prstGeom>
         </p:spPr>
       </p:pic>
+    </p:spTree>
+  </p:cSld>
+  <p:clrMapOvr>
+    <a:masterClrMapping/>
+  </p:clrMapOvr>
+</p:sld>
+</file>
+
+<file path=ppt/slides/slide8.xml><?xml version="1.0" encoding="utf-8"?>
+<p:sld xmlns:a="http://schemas.openxmlformats.org/drawingml/2006/main" xmlns:r="http://schemas.openxmlformats.org/officeDocument/2006/relationships" xmlns:p="http://schemas.openxmlformats.org/presentationml/2006/main">
+  <p:cSld>
+    <p:spTree>
+      <p:nvGrpSpPr>
+        <p:cNvPr id="1" name=""/>
+        <p:cNvGrpSpPr/>
+        <p:nvPr/>
+      </p:nvGrpSpPr>
+      <p:grpSpPr/>
+      <p:sp>
+        <p:nvSpPr>
+          <p:cNvPr id="2" name="标题 1"/>
+          <p:cNvSpPr>
+            <a:spLocks noGrp="1"/>
+          </p:cNvSpPr>
+          <p:nvPr>
+            <p:ph type="title"/>
+          </p:nvPr>
+        </p:nvSpPr>
+        <p:spPr/>
+        <p:txBody>
+          <a:bodyPr/>
+          <a:p>
+            <a:r>
+              <a:rPr lang="" altLang="zh-CN"/>
+              <a:t>PromQL-</a:t>
+            </a:r>
+            <a:r>
+              <a:rPr lang="zh-CN" altLang="en-US">
+                <a:sym typeface="+mn-ea"/>
+              </a:rPr>
+              <a:t>表达式语言数据类型</a:t>
+            </a:r>
+            <a:endParaRPr lang="" altLang="zh-CN"/>
+          </a:p>
+        </p:txBody>
+      </p:sp>
+      <p:sp>
+        <p:nvSpPr>
+          <p:cNvPr id="3" name="内容占位符 2"/>
+          <p:cNvSpPr>
+            <a:spLocks noGrp="1"/>
+          </p:cNvSpPr>
+          <p:nvPr>
+            <p:ph idx="1"/>
+          </p:nvPr>
+        </p:nvSpPr>
+        <p:spPr/>
+        <p:txBody>
+          <a:bodyPr/>
+          <a:p>
+            <a:r>
+              <a:rPr lang="zh-CN" altLang="en-US"/>
+              <a:t>在 Prometheus 的表达式语言中，表达式或子表达式包括以下四种类型之一：</a:t>
+            </a:r>
+            <a:endParaRPr lang="zh-CN" altLang="en-US"/>
+          </a:p>
+          <a:p>
+            <a:pPr marL="457200" indent="-457200">
+              <a:buFont typeface="+mj-lt"/>
+              <a:buAutoNum type="arabicPeriod"/>
+            </a:pPr>
+            <a:r>
+              <a:rPr lang="zh-CN" altLang="en-US"/>
+              <a:t>瞬时向量（Instant vector） - 一组时间序列，每个时间序列包含单个样本，它们共享相同的时间戳。也就是说，表达式的返回值中只会包含该时间序列中的最新的一个样本值。而相应的这样的表达式称之为瞬时向量表达式。</a:t>
+            </a:r>
+            <a:endParaRPr lang="zh-CN" altLang="en-US"/>
+          </a:p>
+          <a:p>
+            <a:pPr marL="457200" indent="-457200">
+              <a:buFont typeface="+mj-lt"/>
+              <a:buAutoNum type="arabicPeriod"/>
+            </a:pPr>
+            <a:r>
+              <a:rPr lang="zh-CN" altLang="en-US"/>
+              <a:t>区间向量（Range vector） - 一组时间序列，每个时间序列包含一段时间范围内的样本数据。</a:t>
+            </a:r>
+            <a:endParaRPr lang="zh-CN" altLang="en-US"/>
+          </a:p>
+          <a:p>
+            <a:pPr marL="457200" indent="-457200">
+              <a:buFont typeface="+mj-lt"/>
+              <a:buAutoNum type="arabicPeriod"/>
+            </a:pPr>
+            <a:r>
+              <a:rPr lang="zh-CN" altLang="en-US"/>
+              <a:t>标量（Scalar） - 一个浮点型的数据值。</a:t>
+            </a:r>
+            <a:endParaRPr lang="zh-CN" altLang="en-US"/>
+          </a:p>
+          <a:p>
+            <a:pPr marL="457200" indent="-457200">
+              <a:buFont typeface="+mj-lt"/>
+              <a:buAutoNum type="arabicPeriod"/>
+            </a:pPr>
+            <a:r>
+              <a:rPr lang="zh-CN" altLang="en-US"/>
+              <a:t>字符串（String） - 一个简单的字符串值。</a:t>
+            </a:r>
+            <a:endParaRPr lang="zh-CN" altLang="en-US"/>
+          </a:p>
+          <a:p>
+            <a:pPr marL="457200" indent="-457200">
+              <a:buFont typeface="+mj-lt"/>
+              <a:buAutoNum type="arabicPeriod"/>
+            </a:pPr>
+            <a:endParaRPr lang="zh-CN" altLang="en-US"/>
+          </a:p>
+          <a:p>
+            <a:pPr marL="0" indent="0">
+              <a:buFont typeface="+mj-lt"/>
+              <a:buNone/>
+            </a:pPr>
+            <a:r>
+              <a:rPr lang="" altLang="zh-CN"/>
+              <a:t>注意：瞬时向量表达式返回的数据类型是唯一可以直接绘制成图表的数据类型。</a:t>
+            </a:r>
+            <a:endParaRPr lang="" altLang="zh-CN"/>
+          </a:p>
+        </p:txBody>
+      </p:sp>
+    </p:spTree>
+  </p:cSld>
+  <p:clrMapOvr>
+    <a:masterClrMapping/>
+  </p:clrMapOvr>
+</p:sld>
+</file>
+
+<file path=ppt/slides/slide9.xml><?xml version="1.0" encoding="utf-8"?>
+<p:sld xmlns:a="http://schemas.openxmlformats.org/drawingml/2006/main" xmlns:r="http://schemas.openxmlformats.org/officeDocument/2006/relationships" xmlns:p="http://schemas.openxmlformats.org/presentationml/2006/main">
+  <p:cSld>
+    <p:spTree>
+      <p:nvGrpSpPr>
+        <p:cNvPr id="1" name=""/>
+        <p:cNvGrpSpPr/>
+        <p:nvPr/>
+      </p:nvGrpSpPr>
+      <p:grpSpPr/>
+      <p:sp>
+        <p:nvSpPr>
+          <p:cNvPr id="2" name="标题 1"/>
+          <p:cNvSpPr>
+            <a:spLocks noGrp="1"/>
+          </p:cNvSpPr>
+          <p:nvPr>
+            <p:ph type="title"/>
+          </p:nvPr>
+        </p:nvSpPr>
+        <p:spPr/>
+        <p:txBody>
+          <a:bodyPr/>
+          <a:p>
+            <a:r>
+              <a:rPr lang="en-US" altLang="zh-CN"/>
+              <a:t>PromQL-</a:t>
+            </a:r>
+            <a:r>
+              <a:rPr lang="" altLang="en-US"/>
+              <a:t>时间位移操作</a:t>
+            </a:r>
+            <a:endParaRPr lang="" altLang="en-US"/>
+          </a:p>
+        </p:txBody>
+      </p:sp>
+      <p:sp>
+        <p:nvSpPr>
+          <p:cNvPr id="3" name="内容占位符 2"/>
+          <p:cNvSpPr>
+            <a:spLocks noGrp="1"/>
+          </p:cNvSpPr>
+          <p:nvPr>
+            <p:ph idx="1"/>
+          </p:nvPr>
+        </p:nvSpPr>
+        <p:spPr>
+          <a:xfrm>
+            <a:off x="647700" y="1401445"/>
+            <a:ext cx="10515600" cy="4775835"/>
+          </a:xfrm>
+        </p:spPr>
+        <p:txBody>
+          <a:bodyPr>
+            <a:normAutofit fontScale="70000"/>
+          </a:bodyPr>
+          <a:p>
+            <a:r>
+              <a:rPr lang="zh-CN" altLang="en-US"/>
+              <a:t>在瞬时向量表达式或者区间向量表达式中，都是以当前时间为基准：</a:t>
+            </a:r>
+            <a:endParaRPr lang="zh-CN" altLang="en-US"/>
+          </a:p>
+          <a:p>
+            <a:pPr marL="457200" indent="-457200">
+              <a:buAutoNum type="arabicPeriod"/>
+            </a:pPr>
+            <a:r>
+              <a:rPr lang="zh-CN" altLang="en-US"/>
+              <a:t>http_request_total{} # 瞬时向量表达式，选择当前最新的数据</a:t>
+            </a:r>
+            <a:endParaRPr lang="zh-CN" altLang="en-US"/>
+          </a:p>
+          <a:p>
+            <a:pPr marL="457200" indent="-457200">
+              <a:buAutoNum type="arabicPeriod"/>
+            </a:pPr>
+            <a:r>
+              <a:rPr lang="zh-CN" altLang="en-US"/>
+              <a:t>http_request_total{}[5m] # 区间向量表达式，选择以当前时间为基准，5分钟内的数据</a:t>
+            </a:r>
+            <a:endParaRPr lang="zh-CN" altLang="en-US"/>
+          </a:p>
+          <a:p>
+            <a:pPr marL="457200" indent="-457200">
+              <a:buAutoNum type="arabicPeriod"/>
+            </a:pPr>
+            <a:endParaRPr lang="zh-CN" altLang="en-US"/>
+          </a:p>
+          <a:p>
+            <a:pPr>
+              <a:buFont typeface="Arial" panose="02080604020202020204" pitchFamily="34" charset="0"/>
+              <a:buChar char="•"/>
+            </a:pPr>
+            <a:r>
+              <a:rPr lang="" altLang="zh-CN"/>
+              <a:t>查询时间过去 5 分钟的 http_requests_total 值： http_requests_total offset 5m</a:t>
+            </a:r>
+            <a:endParaRPr lang="" altLang="zh-CN"/>
+          </a:p>
+          <a:p>
+            <a:pPr marL="0" indent="0">
+              <a:buNone/>
+            </a:pPr>
+            <a:endParaRPr lang="" altLang="zh-CN"/>
+          </a:p>
+          <a:p>
+            <a:pPr marL="0" indent="0">
+              <a:buNone/>
+            </a:pPr>
+            <a:r>
+              <a:rPr lang="" altLang="zh-CN"/>
+              <a:t>注意：offset 关键字需要紧跟在选择器（{}）后面。</a:t>
+            </a:r>
+            <a:endParaRPr lang="" altLang="zh-CN"/>
+          </a:p>
+          <a:p>
+            <a:pPr marL="0" indent="0">
+              <a:buNone/>
+            </a:pPr>
+            <a:r>
+              <a:rPr lang="" altLang="zh-CN"/>
+              <a:t>以下表达式是正确的：</a:t>
+            </a:r>
+            <a:endParaRPr lang="" altLang="zh-CN"/>
+          </a:p>
+          <a:p>
+            <a:pPr marL="0" indent="0">
+              <a:buNone/>
+            </a:pPr>
+            <a:r>
+              <a:rPr lang="" altLang="zh-CN"/>
+              <a:t>sum(http_requests_total{method="GET"} offset 5m) // GOOD.</a:t>
+            </a:r>
+            <a:endParaRPr lang="" altLang="zh-CN"/>
+          </a:p>
+          <a:p>
+            <a:pPr marL="0" indent="0">
+              <a:buNone/>
+            </a:pPr>
+            <a:r>
+              <a:rPr lang="" altLang="zh-CN"/>
+              <a:t>下面的表达式是不合法的：</a:t>
+            </a:r>
+            <a:endParaRPr lang="" altLang="zh-CN"/>
+          </a:p>
+          <a:p>
+            <a:pPr marL="0" indent="0">
+              <a:buNone/>
+            </a:pPr>
+            <a:r>
+              <a:rPr lang="" altLang="zh-CN"/>
+              <a:t>sum(http_requests_total{method="GET"}) offset 5m // INVALID.</a:t>
+            </a:r>
+            <a:endParaRPr lang="" altLang="zh-CN"/>
+          </a:p>
+          <a:p>
+            <a:pPr marL="0" indent="0">
+              <a:buNone/>
+            </a:pPr>
+            <a:endParaRPr lang="" altLang="zh-CN"/>
+          </a:p>
+          <a:p>
+            <a:pPr marL="0" indent="0">
+              <a:buNone/>
+            </a:pPr>
+            <a:r>
+              <a:rPr lang="" altLang="zh-CN"/>
+              <a:t>指标 http_requests_total 一周前的 5 分钟之内的 HTTP 请求量的增长率：</a:t>
+            </a:r>
+            <a:endParaRPr lang="" altLang="zh-CN"/>
+          </a:p>
+          <a:p>
+            <a:pPr marL="0" indent="0">
+              <a:buNone/>
+            </a:pPr>
+            <a:r>
+              <a:rPr lang="" altLang="zh-CN"/>
+              <a:t>rate(http_requests_total[5m] offset 1w)</a:t>
+            </a:r>
+            <a:endParaRPr lang="" altLang="zh-CN"/>
+          </a:p>
+        </p:txBody>
+      </p:sp>
     </p:spTree>
   </p:cSld>
   <p:clrMapOvr>
